--- a/Report_01.pptx
+++ b/Report_01.pptx
@@ -3283,7 +3283,7 @@
           <a:lstStyle/>
           <a:p>
             <a:r>
-              <a:t>Generated on 05-21-2020</a:t>
+              <a:t>Generated on 05-23-2020</a:t>
             </a:r>
           </a:p>
         </p:txBody>
